--- a/Folder + Poster/Poster_Interative.pptx
+++ b/Folder + Poster/Poster_Interative.pptx
@@ -130,20 +130,6 @@
 </p:cmAuthorLst>
 </file>
 
-<file path=ppt/comments/comment1.xml><?xml version="1.0" encoding="utf-8"?>
-<p:cmLst xmlns:a="http://schemas.openxmlformats.org/drawingml/2006/main" xmlns:r="http://schemas.openxmlformats.org/officeDocument/2006/relationships" xmlns:p="http://schemas.openxmlformats.org/presentationml/2006/main">
-  <p:cm authorId="1" dt="2018-11-08T19:39:34.677" idx="3">
-    <p:pos x="10" y="10"/>
-    <p:text>Formato III</p:text>
-    <p:extLst>
-      <p:ext uri="{C676402C-5697-4E1C-873F-D02D1690AC5C}">
-        <p15:threadingInfo xmlns:p15="http://schemas.microsoft.com/office/powerpoint/2012/main" timeZoneBias="120"/>
-      </p:ext>
-    </p:extLst>
-  </p:cm>
-</p:cmLst>
-</file>
-
 <file path=ppt/handoutMasters/handoutMaster1.xml><?xml version="1.0" encoding="utf-8"?>
 <p:handoutMaster xmlns:a="http://schemas.openxmlformats.org/drawingml/2006/main" xmlns:r="http://schemas.openxmlformats.org/officeDocument/2006/relationships" xmlns:p="http://schemas.openxmlformats.org/presentationml/2006/main">
   <p:cSld>
@@ -238,7 +224,7 @@
           <a:p>
             <a:fld id="{99759673-C3A0-4380-8E93-36CCAD79E093}" type="datetimeFigureOut">
               <a:rPr lang="pt-BR" smtClean="0"/>
-              <a:t>19/11/2019</a:t>
+              <a:t>03/12/2019</a:t>
             </a:fld>
             <a:endParaRPr lang="pt-BR"/>
           </a:p>
@@ -5969,7 +5955,7 @@
             <a:pPr algn="just"/>
             <a:r>
               <a:rPr lang="pt-BR" dirty="0"/>
-              <a:t>A composição da solução conforme demonstrado no diagrama de componentes abaixo, inicia-se pela obtenção de diversos conjuntos de dados relevantes para a análise. Houve a necessidade de realizar técnicas de Data Mining para o processamento das informações e criação de perfis de comparação entre os estados. Com todos os dados tratados e normalizados, foi criado o banco de dados para armazenamento, assim podemos realizar consultas de forma rápida e organizada. A partir do banco de dados, houve a criação de dashboards para auxiliar no processo decisório. Para finalizar, criamos um ambiente na plataforma </a:t>
+              <a:t>A composição da solução conforme demonstrado no diagrama de organograma abaixo, inicia-se pela obtenção de diversos conjuntos de dados relevantes para a análise. Houve a necessidade de realizar técnicas de Data Mining para o processamento das informações e criação de perfis de comparação entre os estados. Com todos os dados tratados e normalizados, foi criado o banco de dados para armazenamento, assim pode-se realizar consultas de forma rápida e organizada. A partir do banco de dados, houve a criação de dashboards para auxiliar no processo decisório. Para finalizar, foi criado um ambiente na plataforma </a:t>
             </a:r>
             <a:r>
               <a:rPr lang="pt-BR" dirty="0" err="1"/>
@@ -6347,17 +6333,53 @@
             <a:pPr algn="ctr"/>
             <a:r>
               <a:rPr lang="pt-BR" sz="5400" dirty="0"/>
-              <a:t>Figura 1 - Diagrama de componentes</a:t>
+              <a:t>Figura 1 - Diagrama de organograma </a:t>
+            </a:r>
+          </a:p>
+        </p:txBody>
+      </p:sp>
+      <p:sp>
+        <p:nvSpPr>
+          <p:cNvPr id="33" name="CaixaDeTexto 32">
+            <a:extLst>
+              <a:ext uri="{FF2B5EF4-FFF2-40B4-BE49-F238E27FC236}">
+                <a16:creationId xmlns:a16="http://schemas.microsoft.com/office/drawing/2014/main" id="{E6714104-128D-4184-B5B8-B9CC3DC23E48}"/>
+              </a:ext>
+            </a:extLst>
+          </p:cNvPr>
+          <p:cNvSpPr txBox="1"/>
+          <p:nvPr/>
+        </p:nvSpPr>
+        <p:spPr>
+          <a:xfrm>
+            <a:off x="18313906" y="27643783"/>
+            <a:ext cx="11570044" cy="923330"/>
+          </a:xfrm>
+          <a:prstGeom prst="rect">
+            <a:avLst/>
+          </a:prstGeom>
+          <a:noFill/>
+        </p:spPr>
+        <p:txBody>
+          <a:bodyPr wrap="square" rtlCol="0">
+            <a:spAutoFit/>
+          </a:bodyPr>
+          <a:lstStyle/>
+          <a:p>
+            <a:pPr algn="ctr"/>
+            <a:r>
+              <a:rPr lang="pt-BR" sz="5400" dirty="0"/>
+              <a:t>Figura 2 – Dashboard</a:t>
             </a:r>
           </a:p>
         </p:txBody>
       </p:sp>
       <p:pic>
         <p:nvPicPr>
-          <p:cNvPr id="3" name="Imagem 2">
+          <p:cNvPr id="4" name="Imagem 3">
             <a:extLst>
               <a:ext uri="{FF2B5EF4-FFF2-40B4-BE49-F238E27FC236}">
-                <a16:creationId xmlns:a16="http://schemas.microsoft.com/office/drawing/2014/main" id="{CB76844B-350F-47C1-B799-2E54ABF20789}"/>
+                <a16:creationId xmlns:a16="http://schemas.microsoft.com/office/drawing/2014/main" id="{1C6EB3C6-F9B7-4AF0-9E3A-A7BE81DB24D0}"/>
               </a:ext>
             </a:extLst>
           </p:cNvPr>
@@ -6380,50 +6402,14 @@
         </p:blipFill>
         <p:spPr>
           <a:xfrm>
-            <a:off x="16997673" y="19278802"/>
-            <a:ext cx="14202510" cy="7995600"/>
+            <a:off x="17136736" y="19302814"/>
+            <a:ext cx="14693207" cy="8285642"/>
           </a:xfrm>
           <a:prstGeom prst="rect">
             <a:avLst/>
           </a:prstGeom>
         </p:spPr>
       </p:pic>
-      <p:sp>
-        <p:nvSpPr>
-          <p:cNvPr id="33" name="CaixaDeTexto 32">
-            <a:extLst>
-              <a:ext uri="{FF2B5EF4-FFF2-40B4-BE49-F238E27FC236}">
-                <a16:creationId xmlns:a16="http://schemas.microsoft.com/office/drawing/2014/main" id="{E6714104-128D-4184-B5B8-B9CC3DC23E48}"/>
-              </a:ext>
-            </a:extLst>
-          </p:cNvPr>
-          <p:cNvSpPr txBox="1"/>
-          <p:nvPr/>
-        </p:nvSpPr>
-        <p:spPr>
-          <a:xfrm>
-            <a:off x="18313906" y="27643783"/>
-            <a:ext cx="11570044" cy="923330"/>
-          </a:xfrm>
-          <a:prstGeom prst="rect">
-            <a:avLst/>
-          </a:prstGeom>
-          <a:noFill/>
-        </p:spPr>
-        <p:txBody>
-          <a:bodyPr wrap="square" rtlCol="0">
-            <a:spAutoFit/>
-          </a:bodyPr>
-          <a:lstStyle/>
-          <a:p>
-            <a:pPr algn="ctr"/>
-            <a:r>
-              <a:rPr lang="pt-BR" sz="5400" dirty="0"/>
-              <a:t>Figura 2 – Protótipo de dashboard</a:t>
-            </a:r>
-          </a:p>
-        </p:txBody>
-      </p:sp>
     </p:spTree>
     <p:extLst>
       <p:ext uri="{BB962C8B-B14F-4D97-AF65-F5344CB8AC3E}">
